--- a/fateZero.pptx
+++ b/fateZero.pptx
@@ -4,11 +4,22 @@
   <p:sldMasterIdLst>
     <p:sldMasterId id="2147483648" r:id="rId1"/>
   </p:sldMasterIdLst>
+  <p:notesMasterIdLst>
+    <p:notesMasterId r:id="rId14"/>
+  </p:notesMasterIdLst>
   <p:sldIdLst>
     <p:sldId id="256" r:id="rId2"/>
     <p:sldId id="257" r:id="rId3"/>
     <p:sldId id="258" r:id="rId4"/>
     <p:sldId id="259" r:id="rId5"/>
+    <p:sldId id="265" r:id="rId6"/>
+    <p:sldId id="260" r:id="rId7"/>
+    <p:sldId id="262" r:id="rId8"/>
+    <p:sldId id="261" r:id="rId9"/>
+    <p:sldId id="264" r:id="rId10"/>
+    <p:sldId id="263" r:id="rId11"/>
+    <p:sldId id="266" r:id="rId12"/>
+    <p:sldId id="267" r:id="rId13"/>
   </p:sldIdLst>
   <p:sldSz cx="12192000" cy="6858000"/>
   <p:notesSz cx="6858000" cy="9144000"/>
@@ -107,7 +118,720 @@
       </a:defRPr>
     </a:lvl9pPr>
   </p:defaultTextStyle>
+  <p:extLst>
+    <p:ext uri="{EFAFB233-063F-42B5-8137-9DF3F51BA10A}">
+      <p15:sldGuideLst xmlns:p15="http://schemas.microsoft.com/office/powerpoint/2012/main"/>
+    </p:ext>
+  </p:extLst>
 </p:presentation>
+</file>
+
+<file path=ppt/notesMasters/notesMaster1.xml><?xml version="1.0" encoding="utf-8"?>
+<p:notesMaster xmlns:a="http://schemas.openxmlformats.org/drawingml/2006/main" xmlns:r="http://schemas.openxmlformats.org/officeDocument/2006/relationships" xmlns:p="http://schemas.openxmlformats.org/presentationml/2006/main">
+  <p:cSld>
+    <p:bg>
+      <p:bgRef idx="1001">
+        <a:schemeClr val="bg1"/>
+      </p:bgRef>
+    </p:bg>
+    <p:spTree>
+      <p:nvGrpSpPr>
+        <p:cNvPr id="1" name=""/>
+        <p:cNvGrpSpPr/>
+        <p:nvPr/>
+      </p:nvGrpSpPr>
+      <p:grpSpPr>
+        <a:xfrm>
+          <a:off x="0" y="0"/>
+          <a:ext cx="0" cy="0"/>
+          <a:chOff x="0" y="0"/>
+          <a:chExt cx="0" cy="0"/>
+        </a:xfrm>
+      </p:grpSpPr>
+      <p:sp>
+        <p:nvSpPr>
+          <p:cNvPr id="2" name="页眉占位符 1"/>
+          <p:cNvSpPr>
+            <a:spLocks noGrp="1"/>
+          </p:cNvSpPr>
+          <p:nvPr>
+            <p:ph type="hdr" sz="quarter"/>
+          </p:nvPr>
+        </p:nvSpPr>
+        <p:spPr>
+          <a:xfrm>
+            <a:off x="0" y="0"/>
+            <a:ext cx="2971800" cy="458788"/>
+          </a:xfrm>
+          <a:prstGeom prst="rect">
+            <a:avLst/>
+          </a:prstGeom>
+        </p:spPr>
+        <p:txBody>
+          <a:bodyPr vert="horz" lIns="91440" tIns="45720" rIns="91440" bIns="45720" rtlCol="0"/>
+          <a:lstStyle>
+            <a:lvl1pPr algn="l">
+              <a:defRPr sz="1200"/>
+            </a:lvl1pPr>
+          </a:lstStyle>
+          <a:p>
+            <a:endParaRPr lang="zh-CN" altLang="en-US"/>
+          </a:p>
+        </p:txBody>
+      </p:sp>
+      <p:sp>
+        <p:nvSpPr>
+          <p:cNvPr id="3" name="日期占位符 2"/>
+          <p:cNvSpPr>
+            <a:spLocks noGrp="1"/>
+          </p:cNvSpPr>
+          <p:nvPr>
+            <p:ph type="dt" idx="1"/>
+          </p:nvPr>
+        </p:nvSpPr>
+        <p:spPr>
+          <a:xfrm>
+            <a:off x="3884613" y="0"/>
+            <a:ext cx="2971800" cy="458788"/>
+          </a:xfrm>
+          <a:prstGeom prst="rect">
+            <a:avLst/>
+          </a:prstGeom>
+        </p:spPr>
+        <p:txBody>
+          <a:bodyPr vert="horz" lIns="91440" tIns="45720" rIns="91440" bIns="45720" rtlCol="0"/>
+          <a:lstStyle>
+            <a:lvl1pPr algn="r">
+              <a:defRPr sz="1200"/>
+            </a:lvl1pPr>
+          </a:lstStyle>
+          <a:p>
+            <a:fld id="{16CA5B33-ED75-44F5-91C5-3050DDBFCF46}" type="datetimeFigureOut">
+              <a:rPr lang="zh-CN" altLang="en-US" smtClean="0"/>
+              <a:t>2023/6/24</a:t>
+            </a:fld>
+            <a:endParaRPr lang="zh-CN" altLang="en-US"/>
+          </a:p>
+        </p:txBody>
+      </p:sp>
+      <p:sp>
+        <p:nvSpPr>
+          <p:cNvPr id="4" name="幻灯片图像占位符 3"/>
+          <p:cNvSpPr>
+            <a:spLocks noGrp="1" noRot="1" noChangeAspect="1"/>
+          </p:cNvSpPr>
+          <p:nvPr>
+            <p:ph type="sldImg" idx="2"/>
+          </p:nvPr>
+        </p:nvSpPr>
+        <p:spPr>
+          <a:xfrm>
+            <a:off x="685800" y="1143000"/>
+            <a:ext cx="5486400" cy="3086100"/>
+          </a:xfrm>
+          <a:prstGeom prst="rect">
+            <a:avLst/>
+          </a:prstGeom>
+          <a:noFill/>
+          <a:ln w="12700">
+            <a:solidFill>
+              <a:prstClr val="black"/>
+            </a:solidFill>
+          </a:ln>
+        </p:spPr>
+        <p:txBody>
+          <a:bodyPr vert="horz" lIns="91440" tIns="45720" rIns="91440" bIns="45720" rtlCol="0" anchor="ctr"/>
+          <a:lstStyle/>
+          <a:p>
+            <a:endParaRPr lang="zh-CN" altLang="en-US"/>
+          </a:p>
+        </p:txBody>
+      </p:sp>
+      <p:sp>
+        <p:nvSpPr>
+          <p:cNvPr id="5" name="备注占位符 4"/>
+          <p:cNvSpPr>
+            <a:spLocks noGrp="1"/>
+          </p:cNvSpPr>
+          <p:nvPr>
+            <p:ph type="body" sz="quarter" idx="3"/>
+          </p:nvPr>
+        </p:nvSpPr>
+        <p:spPr>
+          <a:xfrm>
+            <a:off x="685800" y="4400550"/>
+            <a:ext cx="5486400" cy="3600450"/>
+          </a:xfrm>
+          <a:prstGeom prst="rect">
+            <a:avLst/>
+          </a:prstGeom>
+        </p:spPr>
+        <p:txBody>
+          <a:bodyPr vert="horz" lIns="91440" tIns="45720" rIns="91440" bIns="45720" rtlCol="0"/>
+          <a:lstStyle/>
+          <a:p>
+            <a:pPr lvl="0"/>
+            <a:r>
+              <a:rPr lang="zh-CN" altLang="en-US"/>
+              <a:t>单击此处编辑母版文本样式</a:t>
+            </a:r>
+          </a:p>
+          <a:p>
+            <a:pPr lvl="1"/>
+            <a:r>
+              <a:rPr lang="zh-CN" altLang="en-US"/>
+              <a:t>二级</a:t>
+            </a:r>
+          </a:p>
+          <a:p>
+            <a:pPr lvl="2"/>
+            <a:r>
+              <a:rPr lang="zh-CN" altLang="en-US"/>
+              <a:t>三级</a:t>
+            </a:r>
+          </a:p>
+          <a:p>
+            <a:pPr lvl="3"/>
+            <a:r>
+              <a:rPr lang="zh-CN" altLang="en-US"/>
+              <a:t>四级</a:t>
+            </a:r>
+          </a:p>
+          <a:p>
+            <a:pPr lvl="4"/>
+            <a:r>
+              <a:rPr lang="zh-CN" altLang="en-US"/>
+              <a:t>五级</a:t>
+            </a:r>
+          </a:p>
+        </p:txBody>
+      </p:sp>
+      <p:sp>
+        <p:nvSpPr>
+          <p:cNvPr id="6" name="页脚占位符 5"/>
+          <p:cNvSpPr>
+            <a:spLocks noGrp="1"/>
+          </p:cNvSpPr>
+          <p:nvPr>
+            <p:ph type="ftr" sz="quarter" idx="4"/>
+          </p:nvPr>
+        </p:nvSpPr>
+        <p:spPr>
+          <a:xfrm>
+            <a:off x="0" y="8685213"/>
+            <a:ext cx="2971800" cy="458787"/>
+          </a:xfrm>
+          <a:prstGeom prst="rect">
+            <a:avLst/>
+          </a:prstGeom>
+        </p:spPr>
+        <p:txBody>
+          <a:bodyPr vert="horz" lIns="91440" tIns="45720" rIns="91440" bIns="45720" rtlCol="0" anchor="b"/>
+          <a:lstStyle>
+            <a:lvl1pPr algn="l">
+              <a:defRPr sz="1200"/>
+            </a:lvl1pPr>
+          </a:lstStyle>
+          <a:p>
+            <a:endParaRPr lang="zh-CN" altLang="en-US"/>
+          </a:p>
+        </p:txBody>
+      </p:sp>
+      <p:sp>
+        <p:nvSpPr>
+          <p:cNvPr id="7" name="灯片编号占位符 6"/>
+          <p:cNvSpPr>
+            <a:spLocks noGrp="1"/>
+          </p:cNvSpPr>
+          <p:nvPr>
+            <p:ph type="sldNum" sz="quarter" idx="5"/>
+          </p:nvPr>
+        </p:nvSpPr>
+        <p:spPr>
+          <a:xfrm>
+            <a:off x="3884613" y="8685213"/>
+            <a:ext cx="2971800" cy="458787"/>
+          </a:xfrm>
+          <a:prstGeom prst="rect">
+            <a:avLst/>
+          </a:prstGeom>
+        </p:spPr>
+        <p:txBody>
+          <a:bodyPr vert="horz" lIns="91440" tIns="45720" rIns="91440" bIns="45720" rtlCol="0" anchor="b"/>
+          <a:lstStyle>
+            <a:lvl1pPr algn="r">
+              <a:defRPr sz="1200"/>
+            </a:lvl1pPr>
+          </a:lstStyle>
+          <a:p>
+            <a:fld id="{C68F07D1-EC6C-4FB9-B729-344E1727D5B0}" type="slidenum">
+              <a:rPr lang="zh-CN" altLang="en-US" smtClean="0"/>
+              <a:t>‹#›</a:t>
+            </a:fld>
+            <a:endParaRPr lang="zh-CN" altLang="en-US"/>
+          </a:p>
+        </p:txBody>
+      </p:sp>
+    </p:spTree>
+    <p:extLst>
+      <p:ext uri="{BB962C8B-B14F-4D97-AF65-F5344CB8AC3E}">
+        <p14:creationId xmlns:p14="http://schemas.microsoft.com/office/powerpoint/2010/main" val="3763592905"/>
+      </p:ext>
+    </p:extLst>
+  </p:cSld>
+  <p:clrMap bg1="lt1" tx1="dk1" bg2="lt2" tx2="dk2" accent1="accent1" accent2="accent2" accent3="accent3" accent4="accent4" accent5="accent5" accent6="accent6" hlink="hlink" folHlink="folHlink"/>
+  <p:notesStyle>
+    <a:lvl1pPr marL="0" algn="l" defTabSz="914400" rtl="0" eaLnBrk="1" latinLnBrk="0" hangingPunct="1">
+      <a:defRPr sz="1200" kern="1200">
+        <a:solidFill>
+          <a:schemeClr val="tx1"/>
+        </a:solidFill>
+        <a:latin typeface="+mn-lt"/>
+        <a:ea typeface="+mn-ea"/>
+        <a:cs typeface="+mn-cs"/>
+      </a:defRPr>
+    </a:lvl1pPr>
+    <a:lvl2pPr marL="457200" algn="l" defTabSz="914400" rtl="0" eaLnBrk="1" latinLnBrk="0" hangingPunct="1">
+      <a:defRPr sz="1200" kern="1200">
+        <a:solidFill>
+          <a:schemeClr val="tx1"/>
+        </a:solidFill>
+        <a:latin typeface="+mn-lt"/>
+        <a:ea typeface="+mn-ea"/>
+        <a:cs typeface="+mn-cs"/>
+      </a:defRPr>
+    </a:lvl2pPr>
+    <a:lvl3pPr marL="914400" algn="l" defTabSz="914400" rtl="0" eaLnBrk="1" latinLnBrk="0" hangingPunct="1">
+      <a:defRPr sz="1200" kern="1200">
+        <a:solidFill>
+          <a:schemeClr val="tx1"/>
+        </a:solidFill>
+        <a:latin typeface="+mn-lt"/>
+        <a:ea typeface="+mn-ea"/>
+        <a:cs typeface="+mn-cs"/>
+      </a:defRPr>
+    </a:lvl3pPr>
+    <a:lvl4pPr marL="1371600" algn="l" defTabSz="914400" rtl="0" eaLnBrk="1" latinLnBrk="0" hangingPunct="1">
+      <a:defRPr sz="1200" kern="1200">
+        <a:solidFill>
+          <a:schemeClr val="tx1"/>
+        </a:solidFill>
+        <a:latin typeface="+mn-lt"/>
+        <a:ea typeface="+mn-ea"/>
+        <a:cs typeface="+mn-cs"/>
+      </a:defRPr>
+    </a:lvl4pPr>
+    <a:lvl5pPr marL="1828800" algn="l" defTabSz="914400" rtl="0" eaLnBrk="1" latinLnBrk="0" hangingPunct="1">
+      <a:defRPr sz="1200" kern="1200">
+        <a:solidFill>
+          <a:schemeClr val="tx1"/>
+        </a:solidFill>
+        <a:latin typeface="+mn-lt"/>
+        <a:ea typeface="+mn-ea"/>
+        <a:cs typeface="+mn-cs"/>
+      </a:defRPr>
+    </a:lvl5pPr>
+    <a:lvl6pPr marL="2286000" algn="l" defTabSz="914400" rtl="0" eaLnBrk="1" latinLnBrk="0" hangingPunct="1">
+      <a:defRPr sz="1200" kern="1200">
+        <a:solidFill>
+          <a:schemeClr val="tx1"/>
+        </a:solidFill>
+        <a:latin typeface="+mn-lt"/>
+        <a:ea typeface="+mn-ea"/>
+        <a:cs typeface="+mn-cs"/>
+      </a:defRPr>
+    </a:lvl6pPr>
+    <a:lvl7pPr marL="2743200" algn="l" defTabSz="914400" rtl="0" eaLnBrk="1" latinLnBrk="0" hangingPunct="1">
+      <a:defRPr sz="1200" kern="1200">
+        <a:solidFill>
+          <a:schemeClr val="tx1"/>
+        </a:solidFill>
+        <a:latin typeface="+mn-lt"/>
+        <a:ea typeface="+mn-ea"/>
+        <a:cs typeface="+mn-cs"/>
+      </a:defRPr>
+    </a:lvl7pPr>
+    <a:lvl8pPr marL="3200400" algn="l" defTabSz="914400" rtl="0" eaLnBrk="1" latinLnBrk="0" hangingPunct="1">
+      <a:defRPr sz="1200" kern="1200">
+        <a:solidFill>
+          <a:schemeClr val="tx1"/>
+        </a:solidFill>
+        <a:latin typeface="+mn-lt"/>
+        <a:ea typeface="+mn-ea"/>
+        <a:cs typeface="+mn-cs"/>
+      </a:defRPr>
+    </a:lvl8pPr>
+    <a:lvl9pPr marL="3657600" algn="l" defTabSz="914400" rtl="0" eaLnBrk="1" latinLnBrk="0" hangingPunct="1">
+      <a:defRPr sz="1200" kern="1200">
+        <a:solidFill>
+          <a:schemeClr val="tx1"/>
+        </a:solidFill>
+        <a:latin typeface="+mn-lt"/>
+        <a:ea typeface="+mn-ea"/>
+        <a:cs typeface="+mn-cs"/>
+      </a:defRPr>
+    </a:lvl9pPr>
+  </p:notesStyle>
+</p:notesMaster>
+</file>
+
+<file path=ppt/notesSlides/notesSlide1.xml><?xml version="1.0" encoding="utf-8"?>
+<p:notes xmlns:a="http://schemas.openxmlformats.org/drawingml/2006/main" xmlns:r="http://schemas.openxmlformats.org/officeDocument/2006/relationships" xmlns:p="http://schemas.openxmlformats.org/presentationml/2006/main">
+  <p:cSld>
+    <p:spTree>
+      <p:nvGrpSpPr>
+        <p:cNvPr id="1" name=""/>
+        <p:cNvGrpSpPr/>
+        <p:nvPr/>
+      </p:nvGrpSpPr>
+      <p:grpSpPr>
+        <a:xfrm>
+          <a:off x="0" y="0"/>
+          <a:ext cx="0" cy="0"/>
+          <a:chOff x="0" y="0"/>
+          <a:chExt cx="0" cy="0"/>
+        </a:xfrm>
+      </p:grpSpPr>
+      <p:sp>
+        <p:nvSpPr>
+          <p:cNvPr id="2" name="幻灯片图像占位符 1"/>
+          <p:cNvSpPr>
+            <a:spLocks noGrp="1" noRot="1" noChangeAspect="1"/>
+          </p:cNvSpPr>
+          <p:nvPr>
+            <p:ph type="sldImg"/>
+          </p:nvPr>
+        </p:nvSpPr>
+        <p:spPr/>
+      </p:sp>
+      <p:sp>
+        <p:nvSpPr>
+          <p:cNvPr id="3" name="备注占位符 2"/>
+          <p:cNvSpPr>
+            <a:spLocks noGrp="1"/>
+          </p:cNvSpPr>
+          <p:nvPr>
+            <p:ph type="body" idx="1"/>
+          </p:nvPr>
+        </p:nvSpPr>
+        <p:spPr/>
+        <p:txBody>
+          <a:bodyPr/>
+          <a:lstStyle/>
+          <a:p>
+            <a:r>
+              <a:rPr lang="zh-CN" altLang="en-US" dirty="0"/>
+              <a:t>（第二张图，背景并不能保持原样，视频风格</a:t>
+            </a:r>
+            <a:r>
+              <a:rPr lang="en-US" altLang="zh-CN" dirty="0"/>
+              <a:t>[</a:t>
+            </a:r>
+            <a:r>
+              <a:rPr lang="zh-CN" altLang="en-US" dirty="0"/>
+              <a:t>对比度、饱和度</a:t>
+            </a:r>
+            <a:r>
+              <a:rPr lang="en-US" altLang="zh-CN" dirty="0"/>
+              <a:t>]</a:t>
+            </a:r>
+            <a:r>
+              <a:rPr lang="zh-CN" altLang="en-US" dirty="0"/>
+              <a:t>有变化）</a:t>
+            </a:r>
+          </a:p>
+        </p:txBody>
+      </p:sp>
+      <p:sp>
+        <p:nvSpPr>
+          <p:cNvPr id="4" name="灯片编号占位符 3"/>
+          <p:cNvSpPr>
+            <a:spLocks noGrp="1"/>
+          </p:cNvSpPr>
+          <p:nvPr>
+            <p:ph type="sldNum" sz="quarter" idx="5"/>
+          </p:nvPr>
+        </p:nvSpPr>
+        <p:spPr/>
+        <p:txBody>
+          <a:bodyPr/>
+          <a:lstStyle/>
+          <a:p>
+            <a:fld id="{C68F07D1-EC6C-4FB9-B729-344E1727D5B0}" type="slidenum">
+              <a:rPr lang="zh-CN" altLang="en-US" smtClean="0"/>
+              <a:t>2</a:t>
+            </a:fld>
+            <a:endParaRPr lang="zh-CN" altLang="en-US"/>
+          </a:p>
+        </p:txBody>
+      </p:sp>
+    </p:spTree>
+    <p:extLst>
+      <p:ext uri="{BB962C8B-B14F-4D97-AF65-F5344CB8AC3E}">
+        <p14:creationId xmlns:p14="http://schemas.microsoft.com/office/powerpoint/2010/main" val="169834413"/>
+      </p:ext>
+    </p:extLst>
+  </p:cSld>
+  <p:clrMapOvr>
+    <a:masterClrMapping/>
+  </p:clrMapOvr>
+</p:notes>
+</file>
+
+<file path=ppt/notesSlides/notesSlide2.xml><?xml version="1.0" encoding="utf-8"?>
+<p:notes xmlns:a="http://schemas.openxmlformats.org/drawingml/2006/main" xmlns:r="http://schemas.openxmlformats.org/officeDocument/2006/relationships" xmlns:p="http://schemas.openxmlformats.org/presentationml/2006/main">
+  <p:cSld>
+    <p:spTree>
+      <p:nvGrpSpPr>
+        <p:cNvPr id="1" name=""/>
+        <p:cNvGrpSpPr/>
+        <p:nvPr/>
+      </p:nvGrpSpPr>
+      <p:grpSpPr>
+        <a:xfrm>
+          <a:off x="0" y="0"/>
+          <a:ext cx="0" cy="0"/>
+          <a:chOff x="0" y="0"/>
+          <a:chExt cx="0" cy="0"/>
+        </a:xfrm>
+      </p:grpSpPr>
+      <p:sp>
+        <p:nvSpPr>
+          <p:cNvPr id="2" name="幻灯片图像占位符 1"/>
+          <p:cNvSpPr>
+            <a:spLocks noGrp="1" noRot="1" noChangeAspect="1"/>
+          </p:cNvSpPr>
+          <p:nvPr>
+            <p:ph type="sldImg"/>
+          </p:nvPr>
+        </p:nvSpPr>
+        <p:spPr/>
+      </p:sp>
+      <p:sp>
+        <p:nvSpPr>
+          <p:cNvPr id="3" name="备注占位符 2"/>
+          <p:cNvSpPr>
+            <a:spLocks noGrp="1"/>
+          </p:cNvSpPr>
+          <p:nvPr>
+            <p:ph type="body" idx="1"/>
+          </p:nvPr>
+        </p:nvSpPr>
+        <p:spPr/>
+        <p:txBody>
+          <a:bodyPr/>
+          <a:lstStyle/>
+          <a:p>
+            <a:r>
+              <a:rPr lang="zh-CN" altLang="en-US" dirty="0"/>
+              <a:t>直接使用</a:t>
+            </a:r>
+            <a:r>
+              <a:rPr lang="en-US" altLang="zh-CN" dirty="0"/>
+              <a:t>inverted </a:t>
+            </a:r>
+            <a:r>
+              <a:rPr lang="en-US" altLang="zh-CN" dirty="0" err="1"/>
+              <a:t>latents</a:t>
+            </a:r>
+            <a:r>
+              <a:rPr lang="zh-CN" altLang="en-US" dirty="0"/>
+              <a:t>会导致帧间不一致</a:t>
+            </a:r>
+            <a:endParaRPr lang="en-US" altLang="zh-CN" dirty="0"/>
+          </a:p>
+          <a:p>
+            <a:r>
+              <a:rPr lang="zh-CN" altLang="en-US" dirty="0"/>
+              <a:t>原因：</a:t>
+            </a:r>
+            <a:r>
+              <a:rPr lang="en-US" altLang="zh-CN" dirty="0"/>
+              <a:t>1</a:t>
+            </a:r>
+            <a:r>
+              <a:rPr lang="zh-CN" altLang="en-US" dirty="0"/>
+              <a:t>）</a:t>
+            </a:r>
+            <a:r>
+              <a:rPr lang="en-US" altLang="zh-CN" dirty="0"/>
+              <a:t>DDIM inversion</a:t>
+            </a:r>
+            <a:r>
+              <a:rPr lang="zh-CN" altLang="en-US" dirty="0"/>
+              <a:t>的式子只在小时间步下有效，</a:t>
+            </a:r>
+            <a:r>
+              <a:rPr lang="en-US" altLang="zh-CN" dirty="0"/>
+              <a:t>DDIM50</a:t>
+            </a:r>
+            <a:r>
+              <a:rPr lang="zh-CN" altLang="en-US" dirty="0"/>
+              <a:t>步，误差会累积 </a:t>
+            </a:r>
+            <a:r>
+              <a:rPr lang="en-US" altLang="zh-CN" dirty="0"/>
+              <a:t>2</a:t>
+            </a:r>
+            <a:r>
+              <a:rPr lang="zh-CN" altLang="en-US" dirty="0"/>
+              <a:t>）</a:t>
+            </a:r>
+            <a:r>
+              <a:rPr lang="en-US" altLang="zh-CN" dirty="0"/>
+              <a:t>Classifier-free guidance</a:t>
+            </a:r>
+            <a:r>
+              <a:rPr lang="zh-CN" altLang="en-US" dirty="0"/>
+              <a:t>提高了图像编辑能力，但是自由度也会导致帧间不一致</a:t>
+            </a:r>
+            <a:endParaRPr lang="en-US" altLang="zh-CN" dirty="0"/>
+          </a:p>
+          <a:p>
+            <a:r>
+              <a:rPr lang="zh-CN" altLang="en-US" dirty="0"/>
+              <a:t>这些问题在图像编辑上还好，在视频上问题会放大</a:t>
+            </a:r>
+            <a:endParaRPr lang="en-US" altLang="zh-CN" dirty="0"/>
+          </a:p>
+          <a:p>
+            <a:endParaRPr lang="en-US" altLang="zh-CN" dirty="0"/>
+          </a:p>
+          <a:p>
+            <a:r>
+              <a:rPr lang="zh-CN" altLang="en-US" dirty="0"/>
+              <a:t>之前的方法：</a:t>
+            </a:r>
+            <a:r>
+              <a:rPr lang="en-US" altLang="zh-CN" dirty="0"/>
+              <a:t>optimization of text-embedding [16] or other regularization </a:t>
+            </a:r>
+            <a:endParaRPr lang="zh-CN" altLang="en-US" dirty="0"/>
+          </a:p>
+        </p:txBody>
+      </p:sp>
+      <p:sp>
+        <p:nvSpPr>
+          <p:cNvPr id="4" name="灯片编号占位符 3"/>
+          <p:cNvSpPr>
+            <a:spLocks noGrp="1"/>
+          </p:cNvSpPr>
+          <p:nvPr>
+            <p:ph type="sldNum" sz="quarter" idx="5"/>
+          </p:nvPr>
+        </p:nvSpPr>
+        <p:spPr/>
+        <p:txBody>
+          <a:bodyPr/>
+          <a:lstStyle/>
+          <a:p>
+            <a:fld id="{C68F07D1-EC6C-4FB9-B729-344E1727D5B0}" type="slidenum">
+              <a:rPr lang="zh-CN" altLang="en-US" smtClean="0"/>
+              <a:t>3</a:t>
+            </a:fld>
+            <a:endParaRPr lang="zh-CN" altLang="en-US"/>
+          </a:p>
+        </p:txBody>
+      </p:sp>
+    </p:spTree>
+    <p:extLst>
+      <p:ext uri="{BB962C8B-B14F-4D97-AF65-F5344CB8AC3E}">
+        <p14:creationId xmlns:p14="http://schemas.microsoft.com/office/powerpoint/2010/main" val="3960980191"/>
+      </p:ext>
+    </p:extLst>
+  </p:cSld>
+  <p:clrMapOvr>
+    <a:masterClrMapping/>
+  </p:clrMapOvr>
+</p:notes>
+</file>
+
+<file path=ppt/notesSlides/notesSlide3.xml><?xml version="1.0" encoding="utf-8"?>
+<p:notes xmlns:a="http://schemas.openxmlformats.org/drawingml/2006/main" xmlns:r="http://schemas.openxmlformats.org/officeDocument/2006/relationships" xmlns:p="http://schemas.openxmlformats.org/presentationml/2006/main">
+  <p:cSld>
+    <p:spTree>
+      <p:nvGrpSpPr>
+        <p:cNvPr id="1" name=""/>
+        <p:cNvGrpSpPr/>
+        <p:nvPr/>
+      </p:nvGrpSpPr>
+      <p:grpSpPr>
+        <a:xfrm>
+          <a:off x="0" y="0"/>
+          <a:ext cx="0" cy="0"/>
+          <a:chOff x="0" y="0"/>
+          <a:chExt cx="0" cy="0"/>
+        </a:xfrm>
+      </p:grpSpPr>
+      <p:sp>
+        <p:nvSpPr>
+          <p:cNvPr id="2" name="幻灯片图像占位符 1"/>
+          <p:cNvSpPr>
+            <a:spLocks noGrp="1" noRot="1" noChangeAspect="1"/>
+          </p:cNvSpPr>
+          <p:nvPr>
+            <p:ph type="sldImg"/>
+          </p:nvPr>
+        </p:nvSpPr>
+        <p:spPr/>
+      </p:sp>
+      <p:sp>
+        <p:nvSpPr>
+          <p:cNvPr id="3" name="备注占位符 2"/>
+          <p:cNvSpPr>
+            <a:spLocks noGrp="1"/>
+          </p:cNvSpPr>
+          <p:nvPr>
+            <p:ph type="body" idx="1"/>
+          </p:nvPr>
+        </p:nvSpPr>
+        <p:spPr/>
+        <p:txBody>
+          <a:bodyPr/>
+          <a:lstStyle/>
+          <a:p>
+            <a:r>
+              <a:rPr lang="en-US" altLang="zh-CN" dirty="0"/>
+              <a:t>inject the cross-attention maps of the unchanged part of the prompt</a:t>
+            </a:r>
+            <a:endParaRPr lang="zh-CN" altLang="en-US" dirty="0"/>
+          </a:p>
+        </p:txBody>
+      </p:sp>
+      <p:sp>
+        <p:nvSpPr>
+          <p:cNvPr id="4" name="灯片编号占位符 3"/>
+          <p:cNvSpPr>
+            <a:spLocks noGrp="1"/>
+          </p:cNvSpPr>
+          <p:nvPr>
+            <p:ph type="sldNum" sz="quarter" idx="5"/>
+          </p:nvPr>
+        </p:nvSpPr>
+        <p:spPr/>
+        <p:txBody>
+          <a:bodyPr/>
+          <a:lstStyle/>
+          <a:p>
+            <a:fld id="{C68F07D1-EC6C-4FB9-B729-344E1727D5B0}" type="slidenum">
+              <a:rPr lang="zh-CN" altLang="en-US" smtClean="0"/>
+              <a:t>4</a:t>
+            </a:fld>
+            <a:endParaRPr lang="zh-CN" altLang="en-US"/>
+          </a:p>
+        </p:txBody>
+      </p:sp>
+    </p:spTree>
+    <p:extLst>
+      <p:ext uri="{BB962C8B-B14F-4D97-AF65-F5344CB8AC3E}">
+        <p14:creationId xmlns:p14="http://schemas.microsoft.com/office/powerpoint/2010/main" val="1308212429"/>
+      </p:ext>
+    </p:extLst>
+  </p:cSld>
+  <p:clrMapOvr>
+    <a:masterClrMapping/>
+  </p:clrMapOvr>
+</p:notes>
 </file>
 
 <file path=ppt/slideLayouts/slideLayout1.xml><?xml version="1.0" encoding="utf-8"?>
@@ -257,7 +981,7 @@
           <a:p>
             <a:fld id="{8743C301-480D-4B97-8C7D-A5F15E5211F8}" type="datetimeFigureOut">
               <a:rPr lang="zh-CN" altLang="en-US" smtClean="0"/>
-              <a:t>2023/6/23</a:t>
+              <a:t>2023/6/24</a:t>
             </a:fld>
             <a:endParaRPr lang="zh-CN" altLang="en-US"/>
           </a:p>
@@ -455,7 +1179,7 @@
           <a:p>
             <a:fld id="{8743C301-480D-4B97-8C7D-A5F15E5211F8}" type="datetimeFigureOut">
               <a:rPr lang="zh-CN" altLang="en-US" smtClean="0"/>
-              <a:t>2023/6/23</a:t>
+              <a:t>2023/6/24</a:t>
             </a:fld>
             <a:endParaRPr lang="zh-CN" altLang="en-US"/>
           </a:p>
@@ -663,7 +1387,7 @@
           <a:p>
             <a:fld id="{8743C301-480D-4B97-8C7D-A5F15E5211F8}" type="datetimeFigureOut">
               <a:rPr lang="zh-CN" altLang="en-US" smtClean="0"/>
-              <a:t>2023/6/23</a:t>
+              <a:t>2023/6/24</a:t>
             </a:fld>
             <a:endParaRPr lang="zh-CN" altLang="en-US"/>
           </a:p>
@@ -861,7 +1585,7 @@
           <a:p>
             <a:fld id="{8743C301-480D-4B97-8C7D-A5F15E5211F8}" type="datetimeFigureOut">
               <a:rPr lang="zh-CN" altLang="en-US" smtClean="0"/>
-              <a:t>2023/6/23</a:t>
+              <a:t>2023/6/24</a:t>
             </a:fld>
             <a:endParaRPr lang="zh-CN" altLang="en-US"/>
           </a:p>
@@ -1136,7 +1860,7 @@
           <a:p>
             <a:fld id="{8743C301-480D-4B97-8C7D-A5F15E5211F8}" type="datetimeFigureOut">
               <a:rPr lang="zh-CN" altLang="en-US" smtClean="0"/>
-              <a:t>2023/6/23</a:t>
+              <a:t>2023/6/24</a:t>
             </a:fld>
             <a:endParaRPr lang="zh-CN" altLang="en-US"/>
           </a:p>
@@ -1401,7 +2125,7 @@
           <a:p>
             <a:fld id="{8743C301-480D-4B97-8C7D-A5F15E5211F8}" type="datetimeFigureOut">
               <a:rPr lang="zh-CN" altLang="en-US" smtClean="0"/>
-              <a:t>2023/6/23</a:t>
+              <a:t>2023/6/24</a:t>
             </a:fld>
             <a:endParaRPr lang="zh-CN" altLang="en-US"/>
           </a:p>
@@ -1813,7 +2537,7 @@
           <a:p>
             <a:fld id="{8743C301-480D-4B97-8C7D-A5F15E5211F8}" type="datetimeFigureOut">
               <a:rPr lang="zh-CN" altLang="en-US" smtClean="0"/>
-              <a:t>2023/6/23</a:t>
+              <a:t>2023/6/24</a:t>
             </a:fld>
             <a:endParaRPr lang="zh-CN" altLang="en-US"/>
           </a:p>
@@ -1954,7 +2678,7 @@
           <a:p>
             <a:fld id="{8743C301-480D-4B97-8C7D-A5F15E5211F8}" type="datetimeFigureOut">
               <a:rPr lang="zh-CN" altLang="en-US" smtClean="0"/>
-              <a:t>2023/6/23</a:t>
+              <a:t>2023/6/24</a:t>
             </a:fld>
             <a:endParaRPr lang="zh-CN" altLang="en-US"/>
           </a:p>
@@ -2067,7 +2791,7 @@
           <a:p>
             <a:fld id="{8743C301-480D-4B97-8C7D-A5F15E5211F8}" type="datetimeFigureOut">
               <a:rPr lang="zh-CN" altLang="en-US" smtClean="0"/>
-              <a:t>2023/6/23</a:t>
+              <a:t>2023/6/24</a:t>
             </a:fld>
             <a:endParaRPr lang="zh-CN" altLang="en-US"/>
           </a:p>
@@ -2378,7 +3102,7 @@
           <a:p>
             <a:fld id="{8743C301-480D-4B97-8C7D-A5F15E5211F8}" type="datetimeFigureOut">
               <a:rPr lang="zh-CN" altLang="en-US" smtClean="0"/>
-              <a:t>2023/6/23</a:t>
+              <a:t>2023/6/24</a:t>
             </a:fld>
             <a:endParaRPr lang="zh-CN" altLang="en-US"/>
           </a:p>
@@ -2666,7 +3390,7 @@
           <a:p>
             <a:fld id="{8743C301-480D-4B97-8C7D-A5F15E5211F8}" type="datetimeFigureOut">
               <a:rPr lang="zh-CN" altLang="en-US" smtClean="0"/>
-              <a:t>2023/6/23</a:t>
+              <a:t>2023/6/24</a:t>
             </a:fld>
             <a:endParaRPr lang="zh-CN" altLang="en-US"/>
           </a:p>
@@ -2907,7 +3631,7 @@
           <a:p>
             <a:fld id="{8743C301-480D-4B97-8C7D-A5F15E5211F8}" type="datetimeFigureOut">
               <a:rPr lang="zh-CN" altLang="en-US" smtClean="0"/>
-              <a:t>2023/6/23</a:t>
+              <a:t>2023/6/24</a:t>
             </a:fld>
             <a:endParaRPr lang="zh-CN" altLang="en-US"/>
           </a:p>
@@ -3379,6 +4103,96 @@
 </p:sld>
 </file>
 
+<file path=ppt/slides/slide10.xml><?xml version="1.0" encoding="utf-8"?>
+<p:sld xmlns:a="http://schemas.openxmlformats.org/drawingml/2006/main" xmlns:r="http://schemas.openxmlformats.org/officeDocument/2006/relationships" xmlns:p="http://schemas.openxmlformats.org/presentationml/2006/main">
+  <p:cSld>
+    <p:spTree>
+      <p:nvGrpSpPr>
+        <p:cNvPr id="1" name=""/>
+        <p:cNvGrpSpPr/>
+        <p:nvPr/>
+      </p:nvGrpSpPr>
+      <p:grpSpPr>
+        <a:xfrm>
+          <a:off x="0" y="0"/>
+          <a:ext cx="0" cy="0"/>
+          <a:chOff x="0" y="0"/>
+          <a:chExt cx="0" cy="0"/>
+        </a:xfrm>
+      </p:grpSpPr>
+    </p:spTree>
+    <p:extLst>
+      <p:ext uri="{BB962C8B-B14F-4D97-AF65-F5344CB8AC3E}">
+        <p14:creationId xmlns:p14="http://schemas.microsoft.com/office/powerpoint/2010/main" val="1278364465"/>
+      </p:ext>
+    </p:extLst>
+  </p:cSld>
+  <p:clrMapOvr>
+    <a:masterClrMapping/>
+  </p:clrMapOvr>
+</p:sld>
+</file>
+
+<file path=ppt/slides/slide11.xml><?xml version="1.0" encoding="utf-8"?>
+<p:sld xmlns:a="http://schemas.openxmlformats.org/drawingml/2006/main" xmlns:r="http://schemas.openxmlformats.org/officeDocument/2006/relationships" xmlns:p="http://schemas.openxmlformats.org/presentationml/2006/main">
+  <p:cSld>
+    <p:spTree>
+      <p:nvGrpSpPr>
+        <p:cNvPr id="1" name=""/>
+        <p:cNvGrpSpPr/>
+        <p:nvPr/>
+      </p:nvGrpSpPr>
+      <p:grpSpPr>
+        <a:xfrm>
+          <a:off x="0" y="0"/>
+          <a:ext cx="0" cy="0"/>
+          <a:chOff x="0" y="0"/>
+          <a:chExt cx="0" cy="0"/>
+        </a:xfrm>
+      </p:grpSpPr>
+    </p:spTree>
+    <p:extLst>
+      <p:ext uri="{BB962C8B-B14F-4D97-AF65-F5344CB8AC3E}">
+        <p14:creationId xmlns:p14="http://schemas.microsoft.com/office/powerpoint/2010/main" val="3769005744"/>
+      </p:ext>
+    </p:extLst>
+  </p:cSld>
+  <p:clrMapOvr>
+    <a:masterClrMapping/>
+  </p:clrMapOvr>
+</p:sld>
+</file>
+
+<file path=ppt/slides/slide12.xml><?xml version="1.0" encoding="utf-8"?>
+<p:sld xmlns:a="http://schemas.openxmlformats.org/drawingml/2006/main" xmlns:r="http://schemas.openxmlformats.org/officeDocument/2006/relationships" xmlns:p="http://schemas.openxmlformats.org/presentationml/2006/main">
+  <p:cSld>
+    <p:spTree>
+      <p:nvGrpSpPr>
+        <p:cNvPr id="1" name=""/>
+        <p:cNvGrpSpPr/>
+        <p:nvPr/>
+      </p:nvGrpSpPr>
+      <p:grpSpPr>
+        <a:xfrm>
+          <a:off x="0" y="0"/>
+          <a:ext cx="0" cy="0"/>
+          <a:chOff x="0" y="0"/>
+          <a:chExt cx="0" cy="0"/>
+        </a:xfrm>
+      </p:grpSpPr>
+    </p:spTree>
+    <p:extLst>
+      <p:ext uri="{BB962C8B-B14F-4D97-AF65-F5344CB8AC3E}">
+        <p14:creationId xmlns:p14="http://schemas.microsoft.com/office/powerpoint/2010/main" val="2068739310"/>
+      </p:ext>
+    </p:extLst>
+  </p:cSld>
+  <p:clrMapOvr>
+    <a:masterClrMapping/>
+  </p:clrMapOvr>
+</p:sld>
+</file>
+
 <file path=ppt/slides/slide2.xml><?xml version="1.0" encoding="utf-8"?>
 <p:sld xmlns:a="http://schemas.openxmlformats.org/drawingml/2006/main" xmlns:r="http://schemas.openxmlformats.org/officeDocument/2006/relationships" xmlns:p="http://schemas.openxmlformats.org/presentationml/2006/main">
   <p:cSld>
@@ -3411,7 +4225,7 @@
           <p:nvPr/>
         </p:nvPicPr>
         <p:blipFill>
-          <a:blip r:embed="rId2"/>
+          <a:blip r:embed="rId3"/>
           <a:stretch>
             <a:fillRect/>
           </a:stretch>
@@ -3456,6 +4270,239 @@
           <a:chExt cx="0" cy="0"/>
         </a:xfrm>
       </p:grpSpPr>
+      <p:sp>
+        <p:nvSpPr>
+          <p:cNvPr id="2" name="文本框 1">
+            <a:extLst>
+              <a:ext uri="{FF2B5EF4-FFF2-40B4-BE49-F238E27FC236}">
+                <a16:creationId xmlns:a16="http://schemas.microsoft.com/office/drawing/2014/main" id="{F1133B5F-6CA2-E83B-B4E8-7FD647C16E5D}"/>
+              </a:ext>
+            </a:extLst>
+          </p:cNvPr>
+          <p:cNvSpPr txBox="1"/>
+          <p:nvPr/>
+        </p:nvSpPr>
+        <p:spPr>
+          <a:xfrm>
+            <a:off x="106217" y="2654738"/>
+            <a:ext cx="1970411" cy="400110"/>
+          </a:xfrm>
+          <a:prstGeom prst="rect">
+            <a:avLst/>
+          </a:prstGeom>
+          <a:noFill/>
+        </p:spPr>
+        <p:txBody>
+          <a:bodyPr wrap="none" rtlCol="0">
+            <a:spAutoFit/>
+          </a:bodyPr>
+          <a:lstStyle/>
+          <a:p>
+            <a:r>
+              <a:rPr lang="en-US" altLang="zh-CN" sz="2000" dirty="0">
+                <a:latin typeface="Times New Roman" panose="02020603050405020304" pitchFamily="18" charset="0"/>
+                <a:cs typeface="Times New Roman" panose="02020603050405020304" pitchFamily="18" charset="0"/>
+              </a:rPr>
+              <a:t>DDIM Inversion:</a:t>
+            </a:r>
+            <a:endParaRPr lang="zh-CN" altLang="en-US" sz="2000" dirty="0">
+              <a:latin typeface="Times New Roman" panose="02020603050405020304" pitchFamily="18" charset="0"/>
+              <a:cs typeface="Times New Roman" panose="02020603050405020304" pitchFamily="18" charset="0"/>
+            </a:endParaRPr>
+          </a:p>
+        </p:txBody>
+      </p:sp>
+      <p:pic>
+        <p:nvPicPr>
+          <p:cNvPr id="4" name="图片 3">
+            <a:extLst>
+              <a:ext uri="{FF2B5EF4-FFF2-40B4-BE49-F238E27FC236}">
+                <a16:creationId xmlns:a16="http://schemas.microsoft.com/office/drawing/2014/main" id="{C925E71E-7A26-B83A-2C32-BF6836E3AB53}"/>
+              </a:ext>
+            </a:extLst>
+          </p:cNvPr>
+          <p:cNvPicPr>
+            <a:picLocks noChangeAspect="1"/>
+          </p:cNvPicPr>
+          <p:nvPr/>
+        </p:nvPicPr>
+        <p:blipFill>
+          <a:blip r:embed="rId3"/>
+          <a:stretch>
+            <a:fillRect/>
+          </a:stretch>
+        </p:blipFill>
+        <p:spPr>
+          <a:xfrm>
+            <a:off x="804529" y="1784358"/>
+            <a:ext cx="4200775" cy="736553"/>
+          </a:xfrm>
+          <a:prstGeom prst="rect">
+            <a:avLst/>
+          </a:prstGeom>
+        </p:spPr>
+      </p:pic>
+      <p:sp>
+        <p:nvSpPr>
+          <p:cNvPr id="5" name="文本框 4">
+            <a:extLst>
+              <a:ext uri="{FF2B5EF4-FFF2-40B4-BE49-F238E27FC236}">
+                <a16:creationId xmlns:a16="http://schemas.microsoft.com/office/drawing/2014/main" id="{8214BE5B-5EF3-4DD5-8115-A06C69D8A59D}"/>
+              </a:ext>
+            </a:extLst>
+          </p:cNvPr>
+          <p:cNvSpPr txBox="1"/>
+          <p:nvPr/>
+        </p:nvSpPr>
+        <p:spPr>
+          <a:xfrm>
+            <a:off x="91789" y="1416691"/>
+            <a:ext cx="1984839" cy="400110"/>
+          </a:xfrm>
+          <a:prstGeom prst="rect">
+            <a:avLst/>
+          </a:prstGeom>
+          <a:noFill/>
+        </p:spPr>
+        <p:txBody>
+          <a:bodyPr wrap="none" rtlCol="0">
+            <a:spAutoFit/>
+          </a:bodyPr>
+          <a:lstStyle/>
+          <a:p>
+            <a:r>
+              <a:rPr lang="en-US" altLang="zh-CN" sz="2000" dirty="0">
+                <a:latin typeface="Times New Roman" panose="02020603050405020304" pitchFamily="18" charset="0"/>
+                <a:cs typeface="Times New Roman" panose="02020603050405020304" pitchFamily="18" charset="0"/>
+              </a:rPr>
+              <a:t>DDIM Sampling:</a:t>
+            </a:r>
+            <a:endParaRPr lang="zh-CN" altLang="en-US" sz="2000" dirty="0">
+              <a:latin typeface="Times New Roman" panose="02020603050405020304" pitchFamily="18" charset="0"/>
+              <a:cs typeface="Times New Roman" panose="02020603050405020304" pitchFamily="18" charset="0"/>
+            </a:endParaRPr>
+          </a:p>
+        </p:txBody>
+      </p:sp>
+      <p:pic>
+        <p:nvPicPr>
+          <p:cNvPr id="7" name="图片 6">
+            <a:extLst>
+              <a:ext uri="{FF2B5EF4-FFF2-40B4-BE49-F238E27FC236}">
+                <a16:creationId xmlns:a16="http://schemas.microsoft.com/office/drawing/2014/main" id="{219E10EA-9FCC-FE97-AB49-8DC13C4C4AB5}"/>
+              </a:ext>
+            </a:extLst>
+          </p:cNvPr>
+          <p:cNvPicPr>
+            <a:picLocks noChangeAspect="1"/>
+          </p:cNvPicPr>
+          <p:nvPr/>
+        </p:nvPicPr>
+        <p:blipFill rotWithShape="1">
+          <a:blip r:embed="rId4"/>
+          <a:srcRect t="5634"/>
+          <a:stretch/>
+        </p:blipFill>
+        <p:spPr>
+          <a:xfrm>
+            <a:off x="484294" y="3288609"/>
+            <a:ext cx="4649535" cy="851098"/>
+          </a:xfrm>
+          <a:prstGeom prst="rect">
+            <a:avLst/>
+          </a:prstGeom>
+        </p:spPr>
+      </p:pic>
+      <p:pic>
+        <p:nvPicPr>
+          <p:cNvPr id="9" name="图片 8">
+            <a:extLst>
+              <a:ext uri="{FF2B5EF4-FFF2-40B4-BE49-F238E27FC236}">
+                <a16:creationId xmlns:a16="http://schemas.microsoft.com/office/drawing/2014/main" id="{77B4A06D-894B-69D6-D156-59D5305102B7}"/>
+              </a:ext>
+            </a:extLst>
+          </p:cNvPr>
+          <p:cNvPicPr>
+            <a:picLocks noChangeAspect="1"/>
+          </p:cNvPicPr>
+          <p:nvPr/>
+        </p:nvPicPr>
+        <p:blipFill>
+          <a:blip r:embed="rId5"/>
+          <a:stretch>
+            <a:fillRect/>
+          </a:stretch>
+        </p:blipFill>
+        <p:spPr>
+          <a:xfrm>
+            <a:off x="691536" y="4139707"/>
+            <a:ext cx="4200775" cy="767698"/>
+          </a:xfrm>
+          <a:prstGeom prst="rect">
+            <a:avLst/>
+          </a:prstGeom>
+        </p:spPr>
+      </p:pic>
+      <p:pic>
+        <p:nvPicPr>
+          <p:cNvPr id="6" name="图片 5">
+            <a:extLst>
+              <a:ext uri="{FF2B5EF4-FFF2-40B4-BE49-F238E27FC236}">
+                <a16:creationId xmlns:a16="http://schemas.microsoft.com/office/drawing/2014/main" id="{530615E0-30BE-D948-9D2E-0EC50854EFF6}"/>
+              </a:ext>
+            </a:extLst>
+          </p:cNvPr>
+          <p:cNvPicPr>
+            <a:picLocks noChangeAspect="1"/>
+          </p:cNvPicPr>
+          <p:nvPr/>
+        </p:nvPicPr>
+        <p:blipFill>
+          <a:blip r:embed="rId6"/>
+          <a:stretch>
+            <a:fillRect/>
+          </a:stretch>
+        </p:blipFill>
+        <p:spPr>
+          <a:xfrm>
+            <a:off x="1439587" y="5055237"/>
+            <a:ext cx="2739017" cy="372655"/>
+          </a:xfrm>
+          <a:prstGeom prst="rect">
+            <a:avLst/>
+          </a:prstGeom>
+        </p:spPr>
+      </p:pic>
+      <p:pic>
+        <p:nvPicPr>
+          <p:cNvPr id="8" name="图片 7">
+            <a:extLst>
+              <a:ext uri="{FF2B5EF4-FFF2-40B4-BE49-F238E27FC236}">
+                <a16:creationId xmlns:a16="http://schemas.microsoft.com/office/drawing/2014/main" id="{76DE18E3-4B7B-3715-CDF0-1680FC102340}"/>
+              </a:ext>
+            </a:extLst>
+          </p:cNvPr>
+          <p:cNvPicPr>
+            <a:picLocks noChangeAspect="1"/>
+          </p:cNvPicPr>
+          <p:nvPr/>
+        </p:nvPicPr>
+        <p:blipFill>
+          <a:blip r:embed="rId7"/>
+          <a:stretch>
+            <a:fillRect/>
+          </a:stretch>
+        </p:blipFill>
+        <p:spPr>
+          <a:xfrm>
+            <a:off x="5832005" y="594232"/>
+            <a:ext cx="5816899" cy="4978656"/>
+          </a:xfrm>
+          <a:prstGeom prst="rect">
+            <a:avLst/>
+          </a:prstGeom>
+        </p:spPr>
+      </p:pic>
     </p:spTree>
     <p:extLst>
       <p:ext uri="{BB962C8B-B14F-4D97-AF65-F5344CB8AC3E}">
@@ -3486,10 +4533,556 @@
           <a:chExt cx="0" cy="0"/>
         </a:xfrm>
       </p:grpSpPr>
+      <p:sp>
+        <p:nvSpPr>
+          <p:cNvPr id="4" name="文本框 3">
+            <a:extLst>
+              <a:ext uri="{FF2B5EF4-FFF2-40B4-BE49-F238E27FC236}">
+                <a16:creationId xmlns:a16="http://schemas.microsoft.com/office/drawing/2014/main" id="{E03732D6-2DC3-A886-09F2-22061703EB01}"/>
+              </a:ext>
+            </a:extLst>
+          </p:cNvPr>
+          <p:cNvSpPr txBox="1"/>
+          <p:nvPr/>
+        </p:nvSpPr>
+        <p:spPr>
+          <a:xfrm>
+            <a:off x="362375" y="511387"/>
+            <a:ext cx="1293944" cy="461665"/>
+          </a:xfrm>
+          <a:prstGeom prst="rect">
+            <a:avLst/>
+          </a:prstGeom>
+          <a:noFill/>
+        </p:spPr>
+        <p:txBody>
+          <a:bodyPr wrap="none" rtlCol="0">
+            <a:spAutoFit/>
+          </a:bodyPr>
+          <a:lstStyle/>
+          <a:p>
+            <a:r>
+              <a:rPr lang="en-US" altLang="zh-CN" sz="2400" dirty="0" err="1">
+                <a:latin typeface="Times New Roman" panose="02020603050405020304" pitchFamily="18" charset="0"/>
+                <a:cs typeface="Times New Roman" panose="02020603050405020304" pitchFamily="18" charset="0"/>
+              </a:rPr>
+              <a:t>FateZero</a:t>
+            </a:r>
+            <a:endParaRPr lang="zh-CN" altLang="en-US" sz="2400" dirty="0">
+              <a:latin typeface="Times New Roman" panose="02020603050405020304" pitchFamily="18" charset="0"/>
+              <a:cs typeface="Times New Roman" panose="02020603050405020304" pitchFamily="18" charset="0"/>
+            </a:endParaRPr>
+          </a:p>
+        </p:txBody>
+      </p:sp>
+      <p:pic>
+        <p:nvPicPr>
+          <p:cNvPr id="6" name="图片 5">
+            <a:extLst>
+              <a:ext uri="{FF2B5EF4-FFF2-40B4-BE49-F238E27FC236}">
+                <a16:creationId xmlns:a16="http://schemas.microsoft.com/office/drawing/2014/main" id="{859BC2EE-E06F-8650-5DFF-EC26743C932C}"/>
+              </a:ext>
+            </a:extLst>
+          </p:cNvPr>
+          <p:cNvPicPr>
+            <a:picLocks noChangeAspect="1"/>
+          </p:cNvPicPr>
+          <p:nvPr/>
+        </p:nvPicPr>
+        <p:blipFill>
+          <a:blip r:embed="rId3"/>
+          <a:stretch>
+            <a:fillRect/>
+          </a:stretch>
+        </p:blipFill>
+        <p:spPr>
+          <a:xfrm>
+            <a:off x="590531" y="1346387"/>
+            <a:ext cx="3660919" cy="461665"/>
+          </a:xfrm>
+          <a:prstGeom prst="rect">
+            <a:avLst/>
+          </a:prstGeom>
+        </p:spPr>
+      </p:pic>
+      <p:pic>
+        <p:nvPicPr>
+          <p:cNvPr id="8" name="图片 7">
+            <a:extLst>
+              <a:ext uri="{FF2B5EF4-FFF2-40B4-BE49-F238E27FC236}">
+                <a16:creationId xmlns:a16="http://schemas.microsoft.com/office/drawing/2014/main" id="{2598EF2F-0F8C-BDC1-25F6-5D956A81AF93}"/>
+              </a:ext>
+            </a:extLst>
+          </p:cNvPr>
+          <p:cNvPicPr>
+            <a:picLocks noChangeAspect="1"/>
+          </p:cNvPicPr>
+          <p:nvPr/>
+        </p:nvPicPr>
+        <p:blipFill>
+          <a:blip r:embed="rId4"/>
+          <a:stretch>
+            <a:fillRect/>
+          </a:stretch>
+        </p:blipFill>
+        <p:spPr>
+          <a:xfrm>
+            <a:off x="885236" y="2066886"/>
+            <a:ext cx="3219615" cy="393720"/>
+          </a:xfrm>
+          <a:prstGeom prst="rect">
+            <a:avLst/>
+          </a:prstGeom>
+        </p:spPr>
+      </p:pic>
+      <p:pic>
+        <p:nvPicPr>
+          <p:cNvPr id="2" name="图片 1">
+            <a:extLst>
+              <a:ext uri="{FF2B5EF4-FFF2-40B4-BE49-F238E27FC236}">
+                <a16:creationId xmlns:a16="http://schemas.microsoft.com/office/drawing/2014/main" id="{E0FA8FDB-A1A7-0E9A-8325-AC2E408BC0F2}"/>
+              </a:ext>
+            </a:extLst>
+          </p:cNvPr>
+          <p:cNvPicPr>
+            <a:picLocks noChangeAspect="1"/>
+          </p:cNvPicPr>
+          <p:nvPr/>
+        </p:nvPicPr>
+        <p:blipFill>
+          <a:blip r:embed="rId5"/>
+          <a:stretch>
+            <a:fillRect/>
+          </a:stretch>
+        </p:blipFill>
+        <p:spPr>
+          <a:xfrm>
+            <a:off x="5832005" y="594232"/>
+            <a:ext cx="5816899" cy="4978656"/>
+          </a:xfrm>
+          <a:prstGeom prst="rect">
+            <a:avLst/>
+          </a:prstGeom>
+        </p:spPr>
+      </p:pic>
     </p:spTree>
     <p:extLst>
       <p:ext uri="{BB962C8B-B14F-4D97-AF65-F5344CB8AC3E}">
         <p14:creationId xmlns:p14="http://schemas.microsoft.com/office/powerpoint/2010/main" val="350471573"/>
+      </p:ext>
+    </p:extLst>
+  </p:cSld>
+  <p:clrMapOvr>
+    <a:masterClrMapping/>
+  </p:clrMapOvr>
+</p:sld>
+</file>
+
+<file path=ppt/slides/slide5.xml><?xml version="1.0" encoding="utf-8"?>
+<p:sld xmlns:a="http://schemas.openxmlformats.org/drawingml/2006/main" xmlns:r="http://schemas.openxmlformats.org/officeDocument/2006/relationships" xmlns:p="http://schemas.openxmlformats.org/presentationml/2006/main">
+  <p:cSld>
+    <p:spTree>
+      <p:nvGrpSpPr>
+        <p:cNvPr id="1" name=""/>
+        <p:cNvGrpSpPr/>
+        <p:nvPr/>
+      </p:nvGrpSpPr>
+      <p:grpSpPr>
+        <a:xfrm>
+          <a:off x="0" y="0"/>
+          <a:ext cx="0" cy="0"/>
+          <a:chOff x="0" y="0"/>
+          <a:chExt cx="0" cy="0"/>
+        </a:xfrm>
+      </p:grpSpPr>
+      <p:pic>
+        <p:nvPicPr>
+          <p:cNvPr id="3" name="图片 2">
+            <a:extLst>
+              <a:ext uri="{FF2B5EF4-FFF2-40B4-BE49-F238E27FC236}">
+                <a16:creationId xmlns:a16="http://schemas.microsoft.com/office/drawing/2014/main" id="{0107BB5A-076B-8BE1-9F47-82D46FC29E95}"/>
+              </a:ext>
+            </a:extLst>
+          </p:cNvPr>
+          <p:cNvPicPr>
+            <a:picLocks noChangeAspect="1"/>
+          </p:cNvPicPr>
+          <p:nvPr/>
+        </p:nvPicPr>
+        <p:blipFill>
+          <a:blip r:embed="rId2"/>
+          <a:stretch>
+            <a:fillRect/>
+          </a:stretch>
+        </p:blipFill>
+        <p:spPr>
+          <a:xfrm>
+            <a:off x="2757905" y="2219476"/>
+            <a:ext cx="6676190" cy="2419048"/>
+          </a:xfrm>
+          <a:prstGeom prst="rect">
+            <a:avLst/>
+          </a:prstGeom>
+        </p:spPr>
+      </p:pic>
+    </p:spTree>
+    <p:extLst>
+      <p:ext uri="{BB962C8B-B14F-4D97-AF65-F5344CB8AC3E}">
+        <p14:creationId xmlns:p14="http://schemas.microsoft.com/office/powerpoint/2010/main" val="1920986309"/>
+      </p:ext>
+    </p:extLst>
+  </p:cSld>
+  <p:clrMapOvr>
+    <a:masterClrMapping/>
+  </p:clrMapOvr>
+</p:sld>
+</file>
+
+<file path=ppt/slides/slide6.xml><?xml version="1.0" encoding="utf-8"?>
+<p:sld xmlns:a="http://schemas.openxmlformats.org/drawingml/2006/main" xmlns:r="http://schemas.openxmlformats.org/officeDocument/2006/relationships" xmlns:p="http://schemas.openxmlformats.org/presentationml/2006/main">
+  <p:cSld>
+    <p:spTree>
+      <p:nvGrpSpPr>
+        <p:cNvPr id="1" name=""/>
+        <p:cNvGrpSpPr/>
+        <p:nvPr/>
+      </p:nvGrpSpPr>
+      <p:grpSpPr>
+        <a:xfrm>
+          <a:off x="0" y="0"/>
+          <a:ext cx="0" cy="0"/>
+          <a:chOff x="0" y="0"/>
+          <a:chExt cx="0" cy="0"/>
+        </a:xfrm>
+      </p:grpSpPr>
+      <p:pic>
+        <p:nvPicPr>
+          <p:cNvPr id="4" name="图片 3">
+            <a:extLst>
+              <a:ext uri="{FF2B5EF4-FFF2-40B4-BE49-F238E27FC236}">
+                <a16:creationId xmlns:a16="http://schemas.microsoft.com/office/drawing/2014/main" id="{07075BBA-D0F7-EECC-CAA5-294BCF905335}"/>
+              </a:ext>
+            </a:extLst>
+          </p:cNvPr>
+          <p:cNvPicPr>
+            <a:picLocks noChangeAspect="1"/>
+          </p:cNvPicPr>
+          <p:nvPr/>
+        </p:nvPicPr>
+        <p:blipFill>
+          <a:blip r:embed="rId2"/>
+          <a:stretch>
+            <a:fillRect/>
+          </a:stretch>
+        </p:blipFill>
+        <p:spPr>
+          <a:xfrm>
+            <a:off x="5107369" y="707107"/>
+            <a:ext cx="5702593" cy="2775093"/>
+          </a:xfrm>
+          <a:prstGeom prst="rect">
+            <a:avLst/>
+          </a:prstGeom>
+        </p:spPr>
+      </p:pic>
+      <p:pic>
+        <p:nvPicPr>
+          <p:cNvPr id="6" name="图片 5">
+            <a:extLst>
+              <a:ext uri="{FF2B5EF4-FFF2-40B4-BE49-F238E27FC236}">
+                <a16:creationId xmlns:a16="http://schemas.microsoft.com/office/drawing/2014/main" id="{9D2A1260-319F-157C-64C9-1BAE0608DC00}"/>
+              </a:ext>
+            </a:extLst>
+          </p:cNvPr>
+          <p:cNvPicPr>
+            <a:picLocks noChangeAspect="1"/>
+          </p:cNvPicPr>
+          <p:nvPr/>
+        </p:nvPicPr>
+        <p:blipFill>
+          <a:blip r:embed="rId3"/>
+          <a:stretch>
+            <a:fillRect/>
+          </a:stretch>
+        </p:blipFill>
+        <p:spPr>
+          <a:xfrm>
+            <a:off x="785573" y="1527494"/>
+            <a:ext cx="3289469" cy="679485"/>
+          </a:xfrm>
+          <a:prstGeom prst="rect">
+            <a:avLst/>
+          </a:prstGeom>
+        </p:spPr>
+      </p:pic>
+    </p:spTree>
+    <p:extLst>
+      <p:ext uri="{BB962C8B-B14F-4D97-AF65-F5344CB8AC3E}">
+        <p14:creationId xmlns:p14="http://schemas.microsoft.com/office/powerpoint/2010/main" val="3140242"/>
+      </p:ext>
+    </p:extLst>
+  </p:cSld>
+  <p:clrMapOvr>
+    <a:masterClrMapping/>
+  </p:clrMapOvr>
+</p:sld>
+</file>
+
+<file path=ppt/slides/slide7.xml><?xml version="1.0" encoding="utf-8"?>
+<p:sld xmlns:a="http://schemas.openxmlformats.org/drawingml/2006/main" xmlns:r="http://schemas.openxmlformats.org/officeDocument/2006/relationships" xmlns:p="http://schemas.openxmlformats.org/presentationml/2006/main">
+  <p:cSld>
+    <p:spTree>
+      <p:nvGrpSpPr>
+        <p:cNvPr id="1" name=""/>
+        <p:cNvGrpSpPr/>
+        <p:nvPr/>
+      </p:nvGrpSpPr>
+      <p:grpSpPr>
+        <a:xfrm>
+          <a:off x="0" y="0"/>
+          <a:ext cx="0" cy="0"/>
+          <a:chOff x="0" y="0"/>
+          <a:chExt cx="0" cy="0"/>
+        </a:xfrm>
+      </p:grpSpPr>
+      <p:pic>
+        <p:nvPicPr>
+          <p:cNvPr id="3" name="图片 2">
+            <a:extLst>
+              <a:ext uri="{FF2B5EF4-FFF2-40B4-BE49-F238E27FC236}">
+                <a16:creationId xmlns:a16="http://schemas.microsoft.com/office/drawing/2014/main" id="{67E34012-D2FD-5CDD-D178-61ACF0F4D23A}"/>
+              </a:ext>
+            </a:extLst>
+          </p:cNvPr>
+          <p:cNvPicPr>
+            <a:picLocks noChangeAspect="1"/>
+          </p:cNvPicPr>
+          <p:nvPr/>
+        </p:nvPicPr>
+        <p:blipFill>
+          <a:blip r:embed="rId2"/>
+          <a:stretch>
+            <a:fillRect/>
+          </a:stretch>
+        </p:blipFill>
+        <p:spPr>
+          <a:xfrm>
+            <a:off x="262470" y="399925"/>
+            <a:ext cx="11097780" cy="3969773"/>
+          </a:xfrm>
+          <a:prstGeom prst="rect">
+            <a:avLst/>
+          </a:prstGeom>
+        </p:spPr>
+      </p:pic>
+    </p:spTree>
+    <p:extLst>
+      <p:ext uri="{BB962C8B-B14F-4D97-AF65-F5344CB8AC3E}">
+        <p14:creationId xmlns:p14="http://schemas.microsoft.com/office/powerpoint/2010/main" val="1747744226"/>
+      </p:ext>
+    </p:extLst>
+  </p:cSld>
+  <p:clrMapOvr>
+    <a:masterClrMapping/>
+  </p:clrMapOvr>
+</p:sld>
+</file>
+
+<file path=ppt/slides/slide8.xml><?xml version="1.0" encoding="utf-8"?>
+<p:sld xmlns:a="http://schemas.openxmlformats.org/drawingml/2006/main" xmlns:r="http://schemas.openxmlformats.org/officeDocument/2006/relationships" xmlns:p="http://schemas.openxmlformats.org/presentationml/2006/main">
+  <p:cSld>
+    <p:spTree>
+      <p:nvGrpSpPr>
+        <p:cNvPr id="1" name=""/>
+        <p:cNvGrpSpPr/>
+        <p:nvPr/>
+      </p:nvGrpSpPr>
+      <p:grpSpPr>
+        <a:xfrm>
+          <a:off x="0" y="0"/>
+          <a:ext cx="0" cy="0"/>
+          <a:chOff x="0" y="0"/>
+          <a:chExt cx="0" cy="0"/>
+        </a:xfrm>
+      </p:grpSpPr>
+      <p:sp>
+        <p:nvSpPr>
+          <p:cNvPr id="2" name="文本框 1">
+            <a:extLst>
+              <a:ext uri="{FF2B5EF4-FFF2-40B4-BE49-F238E27FC236}">
+                <a16:creationId xmlns:a16="http://schemas.microsoft.com/office/drawing/2014/main" id="{0968E741-A89F-CF69-6B39-BE1121E2BFD2}"/>
+              </a:ext>
+            </a:extLst>
+          </p:cNvPr>
+          <p:cNvSpPr txBox="1"/>
+          <p:nvPr/>
+        </p:nvSpPr>
+        <p:spPr>
+          <a:xfrm>
+            <a:off x="362375" y="511387"/>
+            <a:ext cx="2055371" cy="461665"/>
+          </a:xfrm>
+          <a:prstGeom prst="rect">
+            <a:avLst/>
+          </a:prstGeom>
+          <a:noFill/>
+        </p:spPr>
+        <p:txBody>
+          <a:bodyPr wrap="none" rtlCol="0">
+            <a:spAutoFit/>
+          </a:bodyPr>
+          <a:lstStyle/>
+          <a:p>
+            <a:r>
+              <a:rPr lang="en-US" altLang="zh-CN" sz="2400" dirty="0">
+                <a:latin typeface="Times New Roman" panose="02020603050405020304" pitchFamily="18" charset="0"/>
+                <a:cs typeface="Times New Roman" panose="02020603050405020304" pitchFamily="18" charset="0"/>
+              </a:rPr>
+              <a:t>Ablation Study</a:t>
+            </a:r>
+            <a:endParaRPr lang="zh-CN" altLang="en-US" sz="2400" dirty="0">
+              <a:latin typeface="Times New Roman" panose="02020603050405020304" pitchFamily="18" charset="0"/>
+              <a:cs typeface="Times New Roman" panose="02020603050405020304" pitchFamily="18" charset="0"/>
+            </a:endParaRPr>
+          </a:p>
+        </p:txBody>
+      </p:sp>
+      <p:pic>
+        <p:nvPicPr>
+          <p:cNvPr id="6" name="图片 5">
+            <a:extLst>
+              <a:ext uri="{FF2B5EF4-FFF2-40B4-BE49-F238E27FC236}">
+                <a16:creationId xmlns:a16="http://schemas.microsoft.com/office/drawing/2014/main" id="{6C3C790C-C1A8-1261-A180-91DBF0F6F88C}"/>
+              </a:ext>
+            </a:extLst>
+          </p:cNvPr>
+          <p:cNvPicPr>
+            <a:picLocks noChangeAspect="1"/>
+          </p:cNvPicPr>
+          <p:nvPr/>
+        </p:nvPicPr>
+        <p:blipFill>
+          <a:blip r:embed="rId2"/>
+          <a:stretch>
+            <a:fillRect/>
+          </a:stretch>
+        </p:blipFill>
+        <p:spPr>
+          <a:xfrm>
+            <a:off x="530273" y="1216162"/>
+            <a:ext cx="6363027" cy="2908449"/>
+          </a:xfrm>
+          <a:prstGeom prst="rect">
+            <a:avLst/>
+          </a:prstGeom>
+        </p:spPr>
+      </p:pic>
+    </p:spTree>
+    <p:extLst>
+      <p:ext uri="{BB962C8B-B14F-4D97-AF65-F5344CB8AC3E}">
+        <p14:creationId xmlns:p14="http://schemas.microsoft.com/office/powerpoint/2010/main" val="3335013055"/>
+      </p:ext>
+    </p:extLst>
+  </p:cSld>
+  <p:clrMapOvr>
+    <a:masterClrMapping/>
+  </p:clrMapOvr>
+</p:sld>
+</file>
+
+<file path=ppt/slides/slide9.xml><?xml version="1.0" encoding="utf-8"?>
+<p:sld xmlns:a="http://schemas.openxmlformats.org/drawingml/2006/main" xmlns:r="http://schemas.openxmlformats.org/officeDocument/2006/relationships" xmlns:p="http://schemas.openxmlformats.org/presentationml/2006/main">
+  <p:cSld>
+    <p:spTree>
+      <p:nvGrpSpPr>
+        <p:cNvPr id="1" name=""/>
+        <p:cNvGrpSpPr/>
+        <p:nvPr/>
+      </p:nvGrpSpPr>
+      <p:grpSpPr>
+        <a:xfrm>
+          <a:off x="0" y="0"/>
+          <a:ext cx="0" cy="0"/>
+          <a:chOff x="0" y="0"/>
+          <a:chExt cx="0" cy="0"/>
+        </a:xfrm>
+      </p:grpSpPr>
+      <p:pic>
+        <p:nvPicPr>
+          <p:cNvPr id="3" name="图片 2">
+            <a:extLst>
+              <a:ext uri="{FF2B5EF4-FFF2-40B4-BE49-F238E27FC236}">
+                <a16:creationId xmlns:a16="http://schemas.microsoft.com/office/drawing/2014/main" id="{26157343-3394-4C8D-9FB1-208284F3A782}"/>
+              </a:ext>
+            </a:extLst>
+          </p:cNvPr>
+          <p:cNvPicPr>
+            <a:picLocks noChangeAspect="1"/>
+          </p:cNvPicPr>
+          <p:nvPr/>
+        </p:nvPicPr>
+        <p:blipFill>
+          <a:blip r:embed="rId2"/>
+          <a:stretch>
+            <a:fillRect/>
+          </a:stretch>
+        </p:blipFill>
+        <p:spPr>
+          <a:xfrm>
+            <a:off x="5019510" y="577510"/>
+            <a:ext cx="6420180" cy="4985006"/>
+          </a:xfrm>
+          <a:prstGeom prst="rect">
+            <a:avLst/>
+          </a:prstGeom>
+        </p:spPr>
+      </p:pic>
+      <p:sp>
+        <p:nvSpPr>
+          <p:cNvPr id="4" name="文本框 3">
+            <a:extLst>
+              <a:ext uri="{FF2B5EF4-FFF2-40B4-BE49-F238E27FC236}">
+                <a16:creationId xmlns:a16="http://schemas.microsoft.com/office/drawing/2014/main" id="{CEAF1AF3-3A19-9BD0-3534-EF4E3C94EE8C}"/>
+              </a:ext>
+            </a:extLst>
+          </p:cNvPr>
+          <p:cNvSpPr txBox="1"/>
+          <p:nvPr/>
+        </p:nvSpPr>
+        <p:spPr>
+          <a:xfrm>
+            <a:off x="362375" y="511387"/>
+            <a:ext cx="2055371" cy="461665"/>
+          </a:xfrm>
+          <a:prstGeom prst="rect">
+            <a:avLst/>
+          </a:prstGeom>
+          <a:noFill/>
+        </p:spPr>
+        <p:txBody>
+          <a:bodyPr wrap="none" rtlCol="0">
+            <a:spAutoFit/>
+          </a:bodyPr>
+          <a:lstStyle/>
+          <a:p>
+            <a:r>
+              <a:rPr lang="en-US" altLang="zh-CN" sz="2400" dirty="0">
+                <a:latin typeface="Times New Roman" panose="02020603050405020304" pitchFamily="18" charset="0"/>
+                <a:cs typeface="Times New Roman" panose="02020603050405020304" pitchFamily="18" charset="0"/>
+              </a:rPr>
+              <a:t>Ablation Study</a:t>
+            </a:r>
+            <a:endParaRPr lang="zh-CN" altLang="en-US" sz="2400" dirty="0">
+              <a:latin typeface="Times New Roman" panose="02020603050405020304" pitchFamily="18" charset="0"/>
+              <a:cs typeface="Times New Roman" panose="02020603050405020304" pitchFamily="18" charset="0"/>
+            </a:endParaRPr>
+          </a:p>
+        </p:txBody>
+      </p:sp>
+    </p:spTree>
+    <p:extLst>
+      <p:ext uri="{BB962C8B-B14F-4D97-AF65-F5344CB8AC3E}">
+        <p14:creationId xmlns:p14="http://schemas.microsoft.com/office/powerpoint/2010/main" val="1129935041"/>
       </p:ext>
     </p:extLst>
   </p:cSld>
@@ -3792,4 +5385,299 @@
     </a:ext>
   </a:extLst>
 </a:theme>
+</file>
+
+<file path=ppt/theme/theme2.xml><?xml version="1.0" encoding="utf-8"?>
+<a:theme xmlns:a="http://schemas.openxmlformats.org/drawingml/2006/main" name="Office 主题​​">
+  <a:themeElements>
+    <a:clrScheme name="Office">
+      <a:dk1>
+        <a:sysClr val="windowText" lastClr="000000"/>
+      </a:dk1>
+      <a:lt1>
+        <a:sysClr val="window" lastClr="FFFFFF"/>
+      </a:lt1>
+      <a:dk2>
+        <a:srgbClr val="44546A"/>
+      </a:dk2>
+      <a:lt2>
+        <a:srgbClr val="E7E6E6"/>
+      </a:lt2>
+      <a:accent1>
+        <a:srgbClr val="4472C4"/>
+      </a:accent1>
+      <a:accent2>
+        <a:srgbClr val="ED7D31"/>
+      </a:accent2>
+      <a:accent3>
+        <a:srgbClr val="A5A5A5"/>
+      </a:accent3>
+      <a:accent4>
+        <a:srgbClr val="FFC000"/>
+      </a:accent4>
+      <a:accent5>
+        <a:srgbClr val="5B9BD5"/>
+      </a:accent5>
+      <a:accent6>
+        <a:srgbClr val="70AD47"/>
+      </a:accent6>
+      <a:hlink>
+        <a:srgbClr val="0563C1"/>
+      </a:hlink>
+      <a:folHlink>
+        <a:srgbClr val="954F72"/>
+      </a:folHlink>
+    </a:clrScheme>
+    <a:fontScheme name="Office">
+      <a:majorFont>
+        <a:latin typeface="等线 Light" panose="020F0302020204030204"/>
+        <a:ea typeface=""/>
+        <a:cs typeface=""/>
+        <a:font script="Jpan" typeface="游ゴシック Light"/>
+        <a:font script="Hang" typeface="맑은 고딕"/>
+        <a:font script="Hans" typeface="等线 Light"/>
+        <a:font script="Hant" typeface="新細明體"/>
+        <a:font script="Arab" typeface="Times New Roman"/>
+        <a:font script="Hebr" typeface="Times New Roman"/>
+        <a:font script="Thai" typeface="Angsana New"/>
+        <a:font script="Ethi" typeface="Nyala"/>
+        <a:font script="Beng" typeface="Vrinda"/>
+        <a:font script="Gujr" typeface="Shruti"/>
+        <a:font script="Khmr" typeface="MoolBoran"/>
+        <a:font script="Knda" typeface="Tunga"/>
+        <a:font script="Guru" typeface="Raavi"/>
+        <a:font script="Cans" typeface="Euphemia"/>
+        <a:font script="Cher" typeface="Plantagenet Cherokee"/>
+        <a:font script="Yiii" typeface="Microsoft Yi Baiti"/>
+        <a:font script="Tibt" typeface="Microsoft Himalaya"/>
+        <a:font script="Thaa" typeface="MV Boli"/>
+        <a:font script="Deva" typeface="Mangal"/>
+        <a:font script="Telu" typeface="Gautami"/>
+        <a:font script="Taml" typeface="Latha"/>
+        <a:font script="Syrc" typeface="Estrangelo Edessa"/>
+        <a:font script="Orya" typeface="Kalinga"/>
+        <a:font script="Mlym" typeface="Kartika"/>
+        <a:font script="Laoo" typeface="DokChampa"/>
+        <a:font script="Sinh" typeface="Iskoola Pota"/>
+        <a:font script="Mong" typeface="Mongolian Baiti"/>
+        <a:font script="Viet" typeface="Times New Roman"/>
+        <a:font script="Uigh" typeface="Microsoft Uighur"/>
+        <a:font script="Geor" typeface="Sylfaen"/>
+        <a:font script="Armn" typeface="Arial"/>
+        <a:font script="Bugi" typeface="Leelawadee UI"/>
+        <a:font script="Bopo" typeface="Microsoft JhengHei"/>
+        <a:font script="Java" typeface="Javanese Text"/>
+        <a:font script="Lisu" typeface="Segoe UI"/>
+        <a:font script="Mymr" typeface="Myanmar Text"/>
+        <a:font script="Nkoo" typeface="Ebrima"/>
+        <a:font script="Olck" typeface="Nirmala UI"/>
+        <a:font script="Osma" typeface="Ebrima"/>
+        <a:font script="Phag" typeface="Phagspa"/>
+        <a:font script="Syrn" typeface="Estrangelo Edessa"/>
+        <a:font script="Syrj" typeface="Estrangelo Edessa"/>
+        <a:font script="Syre" typeface="Estrangelo Edessa"/>
+        <a:font script="Sora" typeface="Nirmala UI"/>
+        <a:font script="Tale" typeface="Microsoft Tai Le"/>
+        <a:font script="Talu" typeface="Microsoft New Tai Lue"/>
+        <a:font script="Tfng" typeface="Ebrima"/>
+      </a:majorFont>
+      <a:minorFont>
+        <a:latin typeface="等线" panose="020F0502020204030204"/>
+        <a:ea typeface=""/>
+        <a:cs typeface=""/>
+        <a:font script="Jpan" typeface="游ゴシック"/>
+        <a:font script="Hang" typeface="맑은 고딕"/>
+        <a:font script="Hans" typeface="等线"/>
+        <a:font script="Hant" typeface="新細明體"/>
+        <a:font script="Arab" typeface="Arial"/>
+        <a:font script="Hebr" typeface="Arial"/>
+        <a:font script="Thai" typeface="Cordia New"/>
+        <a:font script="Ethi" typeface="Nyala"/>
+        <a:font script="Beng" typeface="Vrinda"/>
+        <a:font script="Gujr" typeface="Shruti"/>
+        <a:font script="Khmr" typeface="DaunPenh"/>
+        <a:font script="Knda" typeface="Tunga"/>
+        <a:font script="Guru" typeface="Raavi"/>
+        <a:font script="Cans" typeface="Euphemia"/>
+        <a:font script="Cher" typeface="Plantagenet Cherokee"/>
+        <a:font script="Yiii" typeface="Microsoft Yi Baiti"/>
+        <a:font script="Tibt" typeface="Microsoft Himalaya"/>
+        <a:font script="Thaa" typeface="MV Boli"/>
+        <a:font script="Deva" typeface="Mangal"/>
+        <a:font script="Telu" typeface="Gautami"/>
+        <a:font script="Taml" typeface="Latha"/>
+        <a:font script="Syrc" typeface="Estrangelo Edessa"/>
+        <a:font script="Orya" typeface="Kalinga"/>
+        <a:font script="Mlym" typeface="Kartika"/>
+        <a:font script="Laoo" typeface="DokChampa"/>
+        <a:font script="Sinh" typeface="Iskoola Pota"/>
+        <a:font script="Mong" typeface="Mongolian Baiti"/>
+        <a:font script="Viet" typeface="Arial"/>
+        <a:font script="Uigh" typeface="Microsoft Uighur"/>
+        <a:font script="Geor" typeface="Sylfaen"/>
+        <a:font script="Armn" typeface="Arial"/>
+        <a:font script="Bugi" typeface="Leelawadee UI"/>
+        <a:font script="Bopo" typeface="Microsoft JhengHei"/>
+        <a:font script="Java" typeface="Javanese Text"/>
+        <a:font script="Lisu" typeface="Segoe UI"/>
+        <a:font script="Mymr" typeface="Myanmar Text"/>
+        <a:font script="Nkoo" typeface="Ebrima"/>
+        <a:font script="Olck" typeface="Nirmala UI"/>
+        <a:font script="Osma" typeface="Ebrima"/>
+        <a:font script="Phag" typeface="Phagspa"/>
+        <a:font script="Syrn" typeface="Estrangelo Edessa"/>
+        <a:font script="Syrj" typeface="Estrangelo Edessa"/>
+        <a:font script="Syre" typeface="Estrangelo Edessa"/>
+        <a:font script="Sora" typeface="Nirmala UI"/>
+        <a:font script="Tale" typeface="Microsoft Tai Le"/>
+        <a:font script="Talu" typeface="Microsoft New Tai Lue"/>
+        <a:font script="Tfng" typeface="Ebrima"/>
+      </a:minorFont>
+    </a:fontScheme>
+    <a:fmtScheme name="Office">
+      <a:fillStyleLst>
+        <a:solidFill>
+          <a:schemeClr val="phClr"/>
+        </a:solidFill>
+        <a:gradFill rotWithShape="1">
+          <a:gsLst>
+            <a:gs pos="0">
+              <a:schemeClr val="phClr">
+                <a:lumMod val="110000"/>
+                <a:satMod val="105000"/>
+                <a:tint val="67000"/>
+              </a:schemeClr>
+            </a:gs>
+            <a:gs pos="50000">
+              <a:schemeClr val="phClr">
+                <a:lumMod val="105000"/>
+                <a:satMod val="103000"/>
+                <a:tint val="73000"/>
+              </a:schemeClr>
+            </a:gs>
+            <a:gs pos="100000">
+              <a:schemeClr val="phClr">
+                <a:lumMod val="105000"/>
+                <a:satMod val="109000"/>
+                <a:tint val="81000"/>
+              </a:schemeClr>
+            </a:gs>
+          </a:gsLst>
+          <a:lin ang="5400000" scaled="0"/>
+        </a:gradFill>
+        <a:gradFill rotWithShape="1">
+          <a:gsLst>
+            <a:gs pos="0">
+              <a:schemeClr val="phClr">
+                <a:satMod val="103000"/>
+                <a:lumMod val="102000"/>
+                <a:tint val="94000"/>
+              </a:schemeClr>
+            </a:gs>
+            <a:gs pos="50000">
+              <a:schemeClr val="phClr">
+                <a:satMod val="110000"/>
+                <a:lumMod val="100000"/>
+                <a:shade val="100000"/>
+              </a:schemeClr>
+            </a:gs>
+            <a:gs pos="100000">
+              <a:schemeClr val="phClr">
+                <a:lumMod val="99000"/>
+                <a:satMod val="120000"/>
+                <a:shade val="78000"/>
+              </a:schemeClr>
+            </a:gs>
+          </a:gsLst>
+          <a:lin ang="5400000" scaled="0"/>
+        </a:gradFill>
+      </a:fillStyleLst>
+      <a:lnStyleLst>
+        <a:ln w="6350" cap="flat" cmpd="sng" algn="ctr">
+          <a:solidFill>
+            <a:schemeClr val="phClr"/>
+          </a:solidFill>
+          <a:prstDash val="solid"/>
+          <a:miter lim="800000"/>
+        </a:ln>
+        <a:ln w="12700" cap="flat" cmpd="sng" algn="ctr">
+          <a:solidFill>
+            <a:schemeClr val="phClr"/>
+          </a:solidFill>
+          <a:prstDash val="solid"/>
+          <a:miter lim="800000"/>
+        </a:ln>
+        <a:ln w="19050" cap="flat" cmpd="sng" algn="ctr">
+          <a:solidFill>
+            <a:schemeClr val="phClr"/>
+          </a:solidFill>
+          <a:prstDash val="solid"/>
+          <a:miter lim="800000"/>
+        </a:ln>
+      </a:lnStyleLst>
+      <a:effectStyleLst>
+        <a:effectStyle>
+          <a:effectLst/>
+        </a:effectStyle>
+        <a:effectStyle>
+          <a:effectLst/>
+        </a:effectStyle>
+        <a:effectStyle>
+          <a:effectLst>
+            <a:outerShdw blurRad="57150" dist="19050" dir="5400000" algn="ctr" rotWithShape="0">
+              <a:srgbClr val="000000">
+                <a:alpha val="63000"/>
+              </a:srgbClr>
+            </a:outerShdw>
+          </a:effectLst>
+        </a:effectStyle>
+      </a:effectStyleLst>
+      <a:bgFillStyleLst>
+        <a:solidFill>
+          <a:schemeClr val="phClr"/>
+        </a:solidFill>
+        <a:solidFill>
+          <a:schemeClr val="phClr">
+            <a:tint val="95000"/>
+            <a:satMod val="170000"/>
+          </a:schemeClr>
+        </a:solidFill>
+        <a:gradFill rotWithShape="1">
+          <a:gsLst>
+            <a:gs pos="0">
+              <a:schemeClr val="phClr">
+                <a:tint val="93000"/>
+                <a:satMod val="150000"/>
+                <a:shade val="98000"/>
+                <a:lumMod val="102000"/>
+              </a:schemeClr>
+            </a:gs>
+            <a:gs pos="50000">
+              <a:schemeClr val="phClr">
+                <a:tint val="98000"/>
+                <a:satMod val="130000"/>
+                <a:shade val="90000"/>
+                <a:lumMod val="103000"/>
+              </a:schemeClr>
+            </a:gs>
+            <a:gs pos="100000">
+              <a:schemeClr val="phClr">
+                <a:shade val="63000"/>
+                <a:satMod val="120000"/>
+              </a:schemeClr>
+            </a:gs>
+          </a:gsLst>
+          <a:lin ang="5400000" scaled="0"/>
+        </a:gradFill>
+      </a:bgFillStyleLst>
+    </a:fmtScheme>
+  </a:themeElements>
+  <a:objectDefaults/>
+  <a:extraClrSchemeLst/>
+  <a:extLst>
+    <a:ext uri="{05A4C25C-085E-4340-85A3-A5531E510DB2}">
+      <thm15:themeFamily xmlns:thm15="http://schemas.microsoft.com/office/thememl/2012/main" name="Office Theme" id="{62F939B6-93AF-4DB8-9C6B-D6C7DFDC589F}" vid="{4A3C46E8-61CC-4603-A589-7422A47A8E4A}"/>
+    </a:ext>
+  </a:extLst>
+</a:theme>
 </file>
--- a/fateZero.pptx
+++ b/fateZero.pptx
@@ -208,7 +208,7 @@
           <a:p>
             <a:fld id="{16CA5B33-ED75-44F5-91C5-3050DDBFCF46}" type="datetimeFigureOut">
               <a:rPr lang="zh-CN" altLang="en-US" smtClean="0"/>
-              <a:t>2023/6/24</a:t>
+              <a:t>2023/7/2</a:t>
             </a:fld>
             <a:endParaRPr lang="zh-CN" altLang="en-US"/>
           </a:p>
@@ -794,7 +794,20 @@
               <a:rPr lang="en-US" altLang="zh-CN" dirty="0"/>
               <a:t>inject the cross-attention maps of the unchanged part of the prompt</a:t>
             </a:r>
-            <a:endParaRPr lang="zh-CN" altLang="en-US" dirty="0"/>
+          </a:p>
+          <a:p>
+            <a:r>
+              <a:rPr lang="zh-CN" altLang="en-US" dirty="0"/>
+              <a:t>解决</a:t>
+            </a:r>
+            <a:r>
+              <a:rPr lang="en-US" altLang="zh-CN" dirty="0"/>
+              <a:t>classifier-free guidance</a:t>
+            </a:r>
+            <a:r>
+              <a:rPr lang="zh-CN" altLang="en-US" dirty="0"/>
+              <a:t>在采样过程中的偏移</a:t>
+            </a:r>
           </a:p>
         </p:txBody>
       </p:sp>
@@ -981,7 +994,7 @@
           <a:p>
             <a:fld id="{8743C301-480D-4B97-8C7D-A5F15E5211F8}" type="datetimeFigureOut">
               <a:rPr lang="zh-CN" altLang="en-US" smtClean="0"/>
-              <a:t>2023/6/24</a:t>
+              <a:t>2023/7/2</a:t>
             </a:fld>
             <a:endParaRPr lang="zh-CN" altLang="en-US"/>
           </a:p>
@@ -1179,7 +1192,7 @@
           <a:p>
             <a:fld id="{8743C301-480D-4B97-8C7D-A5F15E5211F8}" type="datetimeFigureOut">
               <a:rPr lang="zh-CN" altLang="en-US" smtClean="0"/>
-              <a:t>2023/6/24</a:t>
+              <a:t>2023/7/2</a:t>
             </a:fld>
             <a:endParaRPr lang="zh-CN" altLang="en-US"/>
           </a:p>
@@ -1387,7 +1400,7 @@
           <a:p>
             <a:fld id="{8743C301-480D-4B97-8C7D-A5F15E5211F8}" type="datetimeFigureOut">
               <a:rPr lang="zh-CN" altLang="en-US" smtClean="0"/>
-              <a:t>2023/6/24</a:t>
+              <a:t>2023/7/2</a:t>
             </a:fld>
             <a:endParaRPr lang="zh-CN" altLang="en-US"/>
           </a:p>
@@ -1585,7 +1598,7 @@
           <a:p>
             <a:fld id="{8743C301-480D-4B97-8C7D-A5F15E5211F8}" type="datetimeFigureOut">
               <a:rPr lang="zh-CN" altLang="en-US" smtClean="0"/>
-              <a:t>2023/6/24</a:t>
+              <a:t>2023/7/2</a:t>
             </a:fld>
             <a:endParaRPr lang="zh-CN" altLang="en-US"/>
           </a:p>
@@ -1860,7 +1873,7 @@
           <a:p>
             <a:fld id="{8743C301-480D-4B97-8C7D-A5F15E5211F8}" type="datetimeFigureOut">
               <a:rPr lang="zh-CN" altLang="en-US" smtClean="0"/>
-              <a:t>2023/6/24</a:t>
+              <a:t>2023/7/2</a:t>
             </a:fld>
             <a:endParaRPr lang="zh-CN" altLang="en-US"/>
           </a:p>
@@ -2125,7 +2138,7 @@
           <a:p>
             <a:fld id="{8743C301-480D-4B97-8C7D-A5F15E5211F8}" type="datetimeFigureOut">
               <a:rPr lang="zh-CN" altLang="en-US" smtClean="0"/>
-              <a:t>2023/6/24</a:t>
+              <a:t>2023/7/2</a:t>
             </a:fld>
             <a:endParaRPr lang="zh-CN" altLang="en-US"/>
           </a:p>
@@ -2537,7 +2550,7 @@
           <a:p>
             <a:fld id="{8743C301-480D-4B97-8C7D-A5F15E5211F8}" type="datetimeFigureOut">
               <a:rPr lang="zh-CN" altLang="en-US" smtClean="0"/>
-              <a:t>2023/6/24</a:t>
+              <a:t>2023/7/2</a:t>
             </a:fld>
             <a:endParaRPr lang="zh-CN" altLang="en-US"/>
           </a:p>
@@ -2678,7 +2691,7 @@
           <a:p>
             <a:fld id="{8743C301-480D-4B97-8C7D-A5F15E5211F8}" type="datetimeFigureOut">
               <a:rPr lang="zh-CN" altLang="en-US" smtClean="0"/>
-              <a:t>2023/6/24</a:t>
+              <a:t>2023/7/2</a:t>
             </a:fld>
             <a:endParaRPr lang="zh-CN" altLang="en-US"/>
           </a:p>
@@ -2791,7 +2804,7 @@
           <a:p>
             <a:fld id="{8743C301-480D-4B97-8C7D-A5F15E5211F8}" type="datetimeFigureOut">
               <a:rPr lang="zh-CN" altLang="en-US" smtClean="0"/>
-              <a:t>2023/6/24</a:t>
+              <a:t>2023/7/2</a:t>
             </a:fld>
             <a:endParaRPr lang="zh-CN" altLang="en-US"/>
           </a:p>
@@ -3102,7 +3115,7 @@
           <a:p>
             <a:fld id="{8743C301-480D-4B97-8C7D-A5F15E5211F8}" type="datetimeFigureOut">
               <a:rPr lang="zh-CN" altLang="en-US" smtClean="0"/>
-              <a:t>2023/6/24</a:t>
+              <a:t>2023/7/2</a:t>
             </a:fld>
             <a:endParaRPr lang="zh-CN" altLang="en-US"/>
           </a:p>
@@ -3390,7 +3403,7 @@
           <a:p>
             <a:fld id="{8743C301-480D-4B97-8C7D-A5F15E5211F8}" type="datetimeFigureOut">
               <a:rPr lang="zh-CN" altLang="en-US" smtClean="0"/>
-              <a:t>2023/6/24</a:t>
+              <a:t>2023/7/2</a:t>
             </a:fld>
             <a:endParaRPr lang="zh-CN" altLang="en-US"/>
           </a:p>
@@ -3631,7 +3644,7 @@
           <a:p>
             <a:fld id="{8743C301-480D-4B97-8C7D-A5F15E5211F8}" type="datetimeFigureOut">
               <a:rPr lang="zh-CN" altLang="en-US" smtClean="0"/>
-              <a:t>2023/6/24</a:t>
+              <a:t>2023/7/2</a:t>
             </a:fld>
             <a:endParaRPr lang="zh-CN" altLang="en-US"/>
           </a:p>
@@ -4597,7 +4610,7 @@
         </p:blipFill>
         <p:spPr>
           <a:xfrm>
-            <a:off x="590531" y="1346387"/>
+            <a:off x="701062" y="4169974"/>
             <a:ext cx="3660919" cy="461665"/>
           </a:xfrm>
           <a:prstGeom prst="rect">
@@ -4627,7 +4640,7 @@
         </p:blipFill>
         <p:spPr>
           <a:xfrm>
-            <a:off x="885236" y="2066886"/>
+            <a:off x="995767" y="4890473"/>
             <a:ext cx="3219615" cy="393720"/>
           </a:xfrm>
           <a:prstGeom prst="rect">
@@ -4659,6 +4672,36 @@
           <a:xfrm>
             <a:off x="5832005" y="594232"/>
             <a:ext cx="5816899" cy="4978656"/>
+          </a:xfrm>
+          <a:prstGeom prst="rect">
+            <a:avLst/>
+          </a:prstGeom>
+        </p:spPr>
+      </p:pic>
+      <p:pic>
+        <p:nvPicPr>
+          <p:cNvPr id="3" name="图片 2">
+            <a:extLst>
+              <a:ext uri="{FF2B5EF4-FFF2-40B4-BE49-F238E27FC236}">
+                <a16:creationId xmlns:a16="http://schemas.microsoft.com/office/drawing/2014/main" id="{D705DA40-D03E-A8C1-F4E3-28B0D4DC2C4A}"/>
+              </a:ext>
+            </a:extLst>
+          </p:cNvPr>
+          <p:cNvPicPr>
+            <a:picLocks noChangeAspect="1"/>
+          </p:cNvPicPr>
+          <p:nvPr/>
+        </p:nvPicPr>
+        <p:blipFill>
+          <a:blip r:embed="rId6"/>
+          <a:stretch>
+            <a:fillRect/>
+          </a:stretch>
+        </p:blipFill>
+        <p:spPr>
+          <a:xfrm>
+            <a:off x="362375" y="2005872"/>
+            <a:ext cx="4933106" cy="1787460"/>
           </a:xfrm>
           <a:prstGeom prst="rect">
             <a:avLst/>
@@ -4695,36 +4738,6 @@
           <a:chExt cx="0" cy="0"/>
         </a:xfrm>
       </p:grpSpPr>
-      <p:pic>
-        <p:nvPicPr>
-          <p:cNvPr id="3" name="图片 2">
-            <a:extLst>
-              <a:ext uri="{FF2B5EF4-FFF2-40B4-BE49-F238E27FC236}">
-                <a16:creationId xmlns:a16="http://schemas.microsoft.com/office/drawing/2014/main" id="{0107BB5A-076B-8BE1-9F47-82D46FC29E95}"/>
-              </a:ext>
-            </a:extLst>
-          </p:cNvPr>
-          <p:cNvPicPr>
-            <a:picLocks noChangeAspect="1"/>
-          </p:cNvPicPr>
-          <p:nvPr/>
-        </p:nvPicPr>
-        <p:blipFill>
-          <a:blip r:embed="rId2"/>
-          <a:stretch>
-            <a:fillRect/>
-          </a:stretch>
-        </p:blipFill>
-        <p:spPr>
-          <a:xfrm>
-            <a:off x="2757905" y="2219476"/>
-            <a:ext cx="6676190" cy="2419048"/>
-          </a:xfrm>
-          <a:prstGeom prst="rect">
-            <a:avLst/>
-          </a:prstGeom>
-        </p:spPr>
-      </p:pic>
     </p:spTree>
     <p:extLst>
       <p:ext uri="{BB962C8B-B14F-4D97-AF65-F5344CB8AC3E}">
